--- a/deck-day-1.pptx
+++ b/deck-day-1.pptx
@@ -5,17 +5,16 @@
     <p:sldMasterId id="2147483648" r:id="rId1"/>
   </p:sldMasterIdLst>
   <p:notesMasterIdLst>
-    <p:notesMasterId r:id="rId10"/>
+    <p:notesMasterId r:id="rId9"/>
   </p:notesMasterIdLst>
   <p:sldIdLst>
     <p:sldId id="308" r:id="rId2"/>
     <p:sldId id="311" r:id="rId3"/>
     <p:sldId id="312" r:id="rId4"/>
     <p:sldId id="318" r:id="rId5"/>
-    <p:sldId id="325" r:id="rId6"/>
-    <p:sldId id="317" r:id="rId7"/>
-    <p:sldId id="319" r:id="rId8"/>
-    <p:sldId id="335" r:id="rId9"/>
+    <p:sldId id="317" r:id="rId6"/>
+    <p:sldId id="319" r:id="rId7"/>
+    <p:sldId id="335" r:id="rId8"/>
   </p:sldIdLst>
   <p:sldSz cx="12192000" cy="6858000"/>
   <p:notesSz cx="6858000" cy="9144000"/>
@@ -123,7 +122,6 @@
             <p14:sldId id="311"/>
             <p14:sldId id="312"/>
             <p14:sldId id="318"/>
-            <p14:sldId id="325"/>
             <p14:sldId id="317"/>
             <p14:sldId id="319"/>
             <p14:sldId id="335"/>
@@ -241,7 +239,7 @@
           <a:p>
             <a:fld id="{08ACCFE4-71A4-C542-AB00-903004DD95E4}" type="datetimeFigureOut">
               <a:rPr lang="en-US" smtClean="0"/>
-              <a:t>11/19/20</a:t>
+              <a:t>11/20/20</a:t>
             </a:fld>
             <a:endParaRPr lang="en-US"/>
           </a:p>
@@ -15618,151 +15616,6 @@
           <p:cNvPr id="2" name="Title 1">
             <a:extLst>
               <a:ext uri="{FF2B5EF4-FFF2-40B4-BE49-F238E27FC236}">
-                <a16:creationId xmlns:a16="http://schemas.microsoft.com/office/drawing/2014/main" id="{55AD9B99-79A6-B94D-AA3C-9F7D71375DBC}"/>
-              </a:ext>
-            </a:extLst>
-          </p:cNvPr>
-          <p:cNvSpPr>
-            <a:spLocks noGrp="1"/>
-          </p:cNvSpPr>
-          <p:nvPr>
-            <p:ph type="title"/>
-          </p:nvPr>
-        </p:nvSpPr>
-        <p:spPr/>
-        <p:txBody>
-          <a:bodyPr>
-            <a:normAutofit fontScale="90000"/>
-          </a:bodyPr>
-          <a:lstStyle/>
-          <a:p>
-            <a:r>
-              <a:rPr lang="en-US" dirty="0"/>
-              <a:t>JSX</a:t>
-            </a:r>
-          </a:p>
-        </p:txBody>
-      </p:sp>
-      <p:sp>
-        <p:nvSpPr>
-          <p:cNvPr id="4" name="TextBox 3">
-            <a:extLst>
-              <a:ext uri="{FF2B5EF4-FFF2-40B4-BE49-F238E27FC236}">
-                <a16:creationId xmlns:a16="http://schemas.microsoft.com/office/drawing/2014/main" id="{948334FA-3423-FC4A-AFFF-7D50345C1E16}"/>
-              </a:ext>
-            </a:extLst>
-          </p:cNvPr>
-          <p:cNvSpPr txBox="1"/>
-          <p:nvPr/>
-        </p:nvSpPr>
-        <p:spPr>
-          <a:xfrm>
-            <a:off x="366795" y="1237113"/>
-            <a:ext cx="11290301" cy="1323439"/>
-          </a:xfrm>
-          <a:prstGeom prst="rect">
-            <a:avLst/>
-          </a:prstGeom>
-          <a:noFill/>
-        </p:spPr>
-        <p:txBody>
-          <a:bodyPr wrap="square" rtlCol="0">
-            <a:spAutoFit/>
-          </a:bodyPr>
-          <a:lstStyle/>
-          <a:p>
-            <a:pPr marL="342900" indent="-342900">
-              <a:buFont typeface="Arial" panose="020B0604020202020204" pitchFamily="34" charset="0"/>
-              <a:buChar char="•"/>
-            </a:pPr>
-            <a:r>
-              <a:rPr lang="en-US" sz="2000" dirty="0"/>
-              <a:t>We can now delete all the files from the </a:t>
-            </a:r>
-            <a:r>
-              <a:rPr lang="en-US" sz="2000" dirty="0" err="1"/>
-              <a:t>src</a:t>
-            </a:r>
-            <a:r>
-              <a:rPr lang="en-US" sz="2000" dirty="0"/>
-              <a:t> folder.</a:t>
-            </a:r>
-          </a:p>
-          <a:p>
-            <a:pPr marL="342900" indent="-342900">
-              <a:buFont typeface="Arial" panose="020B0604020202020204" pitchFamily="34" charset="0"/>
-              <a:buChar char="•"/>
-            </a:pPr>
-            <a:r>
-              <a:rPr lang="en-US" sz="2000" dirty="0"/>
-              <a:t>Let’s create our </a:t>
-            </a:r>
-            <a:r>
-              <a:rPr lang="en-US" sz="2000" dirty="0" err="1"/>
-              <a:t>index.js</a:t>
-            </a:r>
-            <a:r>
-              <a:rPr lang="en-US" sz="2000" dirty="0"/>
-              <a:t>.</a:t>
-            </a:r>
-          </a:p>
-          <a:p>
-            <a:pPr marL="342900" indent="-342900">
-              <a:buFont typeface="Arial" panose="020B0604020202020204" pitchFamily="34" charset="0"/>
-              <a:buChar char="•"/>
-            </a:pPr>
-            <a:r>
-              <a:rPr lang="en-US" sz="2000" dirty="0"/>
-              <a:t>Let’s now create a hello world header. </a:t>
-            </a:r>
-          </a:p>
-          <a:p>
-            <a:pPr marL="342900" indent="-342900">
-              <a:buFont typeface="Arial" panose="020B0604020202020204" pitchFamily="34" charset="0"/>
-              <a:buChar char="•"/>
-            </a:pPr>
-            <a:r>
-              <a:rPr lang="en-US" sz="2000" dirty="0"/>
-              <a:t>Now display a paragraph with our name and our nationality.</a:t>
-            </a:r>
-          </a:p>
-        </p:txBody>
-      </p:sp>
-    </p:spTree>
-    <p:extLst>
-      <p:ext uri="{BB962C8B-B14F-4D97-AF65-F5344CB8AC3E}">
-        <p14:creationId xmlns:p14="http://schemas.microsoft.com/office/powerpoint/2010/main" val="1500378444"/>
-      </p:ext>
-    </p:extLst>
-  </p:cSld>
-  <p:clrMapOvr>
-    <a:masterClrMapping/>
-  </p:clrMapOvr>
-</p:sld>
-</file>
-
-<file path=ppt/slides/slide6.xml><?xml version="1.0" encoding="utf-8"?>
-<p:sld xmlns:a="http://schemas.openxmlformats.org/drawingml/2006/main" xmlns:r="http://schemas.openxmlformats.org/officeDocument/2006/relationships" xmlns:p="http://schemas.openxmlformats.org/presentationml/2006/main">
-  <p:cSld>
-    <p:spTree>
-      <p:nvGrpSpPr>
-        <p:cNvPr id="1" name=""/>
-        <p:cNvGrpSpPr/>
-        <p:nvPr/>
-      </p:nvGrpSpPr>
-      <p:grpSpPr>
-        <a:xfrm>
-          <a:off x="0" y="0"/>
-          <a:ext cx="0" cy="0"/>
-          <a:chOff x="0" y="0"/>
-          <a:chExt cx="0" cy="0"/>
-        </a:xfrm>
-      </p:grpSpPr>
-      <p:sp>
-        <p:nvSpPr>
-          <p:cNvPr id="2" name="Title 1">
-            <a:extLst>
-              <a:ext uri="{FF2B5EF4-FFF2-40B4-BE49-F238E27FC236}">
                 <a16:creationId xmlns:a16="http://schemas.microsoft.com/office/drawing/2014/main" id="{234699CC-CF65-8545-A63B-1FE104686944}"/>
               </a:ext>
             </a:extLst>
@@ -15831,7 +15684,7 @@
 </p:sld>
 </file>
 
-<file path=ppt/slides/slide7.xml><?xml version="1.0" encoding="utf-8"?>
+<file path=ppt/slides/slide6.xml><?xml version="1.0" encoding="utf-8"?>
 <p:sld xmlns:a="http://schemas.openxmlformats.org/drawingml/2006/main" xmlns:r="http://schemas.openxmlformats.org/officeDocument/2006/relationships" xmlns:p="http://schemas.openxmlformats.org/presentationml/2006/main">
   <p:cSld>
     <p:spTree>
@@ -15938,7 +15791,7 @@
 </p:sld>
 </file>
 
-<file path=ppt/slides/slide8.xml><?xml version="1.0" encoding="utf-8"?>
+<file path=ppt/slides/slide7.xml><?xml version="1.0" encoding="utf-8"?>
 <p:sld xmlns:a="http://schemas.openxmlformats.org/drawingml/2006/main" xmlns:r="http://schemas.openxmlformats.org/officeDocument/2006/relationships" xmlns:p="http://schemas.openxmlformats.org/presentationml/2006/main">
   <p:cSld>
     <p:spTree>
